--- a/PPT/JS/08JavaScript对象.pptx
+++ b/PPT/JS/08JavaScript对象.pptx
@@ -27,9 +27,8 @@
     <p:sldId id="629" r:id="rId20"/>
     <p:sldId id="630" r:id="rId21"/>
     <p:sldId id="631" r:id="rId22"/>
-    <p:sldId id="645" r:id="rId23"/>
-    <p:sldId id="647" r:id="rId24"/>
-    <p:sldId id="300" r:id="rId25"/>
+    <p:sldId id="647" r:id="rId23"/>
+    <p:sldId id="300" r:id="rId24"/>
   </p:sldIdLst>
   <p:sldSz cx="9144000" cy="5143500" type="screen16x9"/>
   <p:notesSz cx="6858000" cy="9144000"/>
@@ -1558,89 +1557,6 @@
 </file>
 
 <file path=ppt/notesSlides/notesSlide21.xml><?xml version="1.0" encoding="utf-8"?>
-<p:notes xmlns:a="http://schemas.openxmlformats.org/drawingml/2006/main" xmlns:r="http://schemas.openxmlformats.org/officeDocument/2006/relationships" xmlns:p="http://schemas.openxmlformats.org/presentationml/2006/main">
-  <p:cSld>
-    <p:spTree>
-      <p:nvGrpSpPr>
-        <p:cNvPr id="1" name=""/>
-        <p:cNvGrpSpPr/>
-        <p:nvPr/>
-      </p:nvGrpSpPr>
-      <p:grpSpPr>
-        <a:xfrm>
-          <a:off x="0" y="0"/>
-          <a:ext cx="0" cy="0"/>
-          <a:chOff x="0" y="0"/>
-          <a:chExt cx="0" cy="0"/>
-        </a:xfrm>
-      </p:grpSpPr>
-      <p:sp>
-        <p:nvSpPr>
-          <p:cNvPr id="2" name="幻灯片图像占位符 1"/>
-          <p:cNvSpPr>
-            <a:spLocks noGrp="1" noRot="1" noChangeAspect="1"/>
-          </p:cNvSpPr>
-          <p:nvPr>
-            <p:ph type="sldImg"/>
-          </p:nvPr>
-        </p:nvSpPr>
-        <p:spPr>
-          <a:xfrm>
-            <a:off x="381000" y="685800"/>
-            <a:ext cx="6096000" cy="3429000"/>
-          </a:xfrm>
-        </p:spPr>
-      </p:sp>
-      <p:sp>
-        <p:nvSpPr>
-          <p:cNvPr id="3" name="备注占位符 2"/>
-          <p:cNvSpPr>
-            <a:spLocks noGrp="1"/>
-          </p:cNvSpPr>
-          <p:nvPr>
-            <p:ph type="body" idx="1"/>
-          </p:nvPr>
-        </p:nvSpPr>
-        <p:spPr/>
-        <p:txBody>
-          <a:bodyPr/>
-          <a:lstStyle/>
-          <a:p>
-            <a:endParaRPr lang="zh-CN" altLang="en-US"/>
-          </a:p>
-        </p:txBody>
-      </p:sp>
-      <p:sp>
-        <p:nvSpPr>
-          <p:cNvPr id="4" name="灯片编号占位符 3"/>
-          <p:cNvSpPr>
-            <a:spLocks noGrp="1"/>
-          </p:cNvSpPr>
-          <p:nvPr>
-            <p:ph type="sldNum" sz="quarter" idx="10"/>
-          </p:nvPr>
-        </p:nvSpPr>
-        <p:spPr/>
-        <p:txBody>
-          <a:bodyPr/>
-          <a:lstStyle/>
-          <a:p>
-            <a:fld id="{B7F4DA30-AA03-4F72-96B9-33D624FA8F47}" type="slidenum">
-              <a:rPr lang="zh-CN" altLang="en-US" smtClean="0"/>
-            </a:fld>
-            <a:endParaRPr lang="zh-CN" altLang="en-US"/>
-          </a:p>
-        </p:txBody>
-      </p:sp>
-    </p:spTree>
-  </p:cSld>
-  <p:clrMapOvr>
-    <a:masterClrMapping/>
-  </p:clrMapOvr>
-</p:notes>
-</file>
-
-<file path=ppt/notesSlides/notesSlide22.xml><?xml version="1.0" encoding="utf-8"?>
 <p:notes xmlns:a="http://schemas.openxmlformats.org/drawingml/2006/main" xmlns:r="http://schemas.openxmlformats.org/officeDocument/2006/relationships" xmlns:p="http://schemas.openxmlformats.org/presentationml/2006/main">
   <p:cSld>
     <p:spTree>
@@ -23952,987 +23868,6 @@
       </p:sp>
       <p:sp>
         <p:nvSpPr>
-          <p:cNvPr id="15" name="文本框 14"/>
-          <p:cNvSpPr txBox="1"/>
-          <p:nvPr/>
-        </p:nvSpPr>
-        <p:spPr>
-          <a:xfrm>
-            <a:off x="1430020" y="1556385"/>
-            <a:ext cx="6283960" cy="1753235"/>
-          </a:xfrm>
-          <a:prstGeom prst="rect">
-            <a:avLst/>
-          </a:prstGeom>
-          <a:noFill/>
-        </p:spPr>
-        <p:txBody>
-          <a:bodyPr wrap="square" rtlCol="0" anchor="t">
-            <a:spAutoFit/>
-          </a:bodyPr>
-          <a:p>
-            <a:r>
-              <a:rPr lang="en-US" altLang="zh-CN"/>
-              <a:t>4</a:t>
-            </a:r>
-            <a:r>
-              <a:rPr lang="zh-CN" altLang="en-US"/>
-              <a:t>、根据日期的不同时间段，做问候语： </a:t>
-            </a:r>
-            <a:endParaRPr lang="zh-CN" altLang="en-US"/>
-          </a:p>
-          <a:p>
-            <a:endParaRPr lang="zh-CN" altLang="en-US"/>
-          </a:p>
-          <a:p>
-            <a:r>
-              <a:rPr lang="zh-CN" altLang="en-US"/>
-              <a:t>	早上8:00-12:00 :“早上好！欢迎登陆系统” </a:t>
-            </a:r>
-            <a:endParaRPr lang="zh-CN" altLang="en-US"/>
-          </a:p>
-          <a:p>
-            <a:r>
-              <a:rPr lang="zh-CN" altLang="en-US"/>
-              <a:t>	中午12:00-14:00：“中午好！该休息了” </a:t>
-            </a:r>
-            <a:endParaRPr lang="zh-CN" altLang="en-US"/>
-          </a:p>
-          <a:p>
-            <a:r>
-              <a:rPr lang="zh-CN" altLang="en-US"/>
-              <a:t>	下午14:00-18:00：“下午好！欢迎登陆系统” </a:t>
-            </a:r>
-            <a:endParaRPr lang="zh-CN" altLang="en-US"/>
-          </a:p>
-          <a:p>
-            <a:r>
-              <a:rPr lang="zh-CN" altLang="en-US"/>
-              <a:t>	晚上19:00-00:00：“晚上好！”</a:t>
-            </a:r>
-            <a:endParaRPr lang="zh-CN" altLang="en-US"/>
-          </a:p>
-        </p:txBody>
-      </p:sp>
-    </p:spTree>
-  </p:cSld>
-  <p:clrMapOvr>
-    <a:masterClrMapping/>
-  </p:clrMapOvr>
-  <mc:AlternateContent xmlns:mc="http://schemas.openxmlformats.org/markup-compatibility/2006">
-    <mc:Choice xmlns:p14="http://schemas.microsoft.com/office/powerpoint/2010/main" Requires="p14">
-      <p:transition spd="slow" p14:dur="1600" advClick="0" advTm="9000">
-        <p14:prism dir="d" isInverted="1"/>
-      </p:transition>
-    </mc:Choice>
-    <mc:Fallback>
-      <p:transition spd="slow" advClick="0" advTm="9000">
-        <p:fade/>
-      </p:transition>
-    </mc:Fallback>
-  </mc:AlternateContent>
-  <p:timing>
-    <p:tnLst>
-      <p:par>
-        <p:cTn id="1" dur="indefinite" restart="never" nodeType="tmRoot">
-          <p:childTnLst>
-            <p:seq concurrent="1" nextAc="seek">
-              <p:cTn id="2" dur="indefinite" nodeType="mainSeq">
-                <p:childTnLst>
-                  <p:par>
-                    <p:cTn id="3" fill="hold">
-                      <p:stCondLst>
-                        <p:cond delay="indefinite"/>
-                        <p:cond evt="onBegin" delay="0">
-                          <p:tn val="2"/>
-                        </p:cond>
-                      </p:stCondLst>
-                      <p:childTnLst>
-                        <p:par>
-                          <p:cTn id="4" fill="hold">
-                            <p:stCondLst>
-                              <p:cond delay="0"/>
-                            </p:stCondLst>
-                            <p:childTnLst>
-                              <p:par>
-                                <p:cTn id="5" presetID="2" presetClass="entr" presetSubtype="1" fill="hold" grpId="0" nodeType="afterEffect">
-                                  <p:stCondLst>
-                                    <p:cond delay="0"/>
-                                  </p:stCondLst>
-                                  <p:childTnLst>
-                                    <p:set>
-                                      <p:cBhvr>
-                                        <p:cTn id="6" dur="1" fill="hold">
-                                          <p:stCondLst>
-                                            <p:cond delay="0"/>
-                                          </p:stCondLst>
-                                        </p:cTn>
-                                        <p:tgtEl>
-                                          <p:spTgt spid="2"/>
-                                        </p:tgtEl>
-                                        <p:attrNameLst>
-                                          <p:attrName>style.visibility</p:attrName>
-                                        </p:attrNameLst>
-                                      </p:cBhvr>
-                                      <p:to>
-                                        <p:strVal val="visible"/>
-                                      </p:to>
-                                    </p:set>
-                                    <p:anim calcmode="lin" valueType="num">
-                                      <p:cBhvr additive="base">
-                                        <p:cTn id="7" dur="500" fill="hold"/>
-                                        <p:tgtEl>
-                                          <p:spTgt spid="2"/>
-                                        </p:tgtEl>
-                                        <p:attrNameLst>
-                                          <p:attrName>ppt_x</p:attrName>
-                                        </p:attrNameLst>
-                                      </p:cBhvr>
-                                      <p:tavLst>
-                                        <p:tav tm="0">
-                                          <p:val>
-                                            <p:strVal val="#ppt_x"/>
-                                          </p:val>
-                                        </p:tav>
-                                        <p:tav tm="100000">
-                                          <p:val>
-                                            <p:strVal val="#ppt_x"/>
-                                          </p:val>
-                                        </p:tav>
-                                      </p:tavLst>
-                                    </p:anim>
-                                    <p:anim calcmode="lin" valueType="num">
-                                      <p:cBhvr additive="base">
-                                        <p:cTn id="8" dur="500" fill="hold"/>
-                                        <p:tgtEl>
-                                          <p:spTgt spid="2"/>
-                                        </p:tgtEl>
-                                        <p:attrNameLst>
-                                          <p:attrName>ppt_y</p:attrName>
-                                        </p:attrNameLst>
-                                      </p:cBhvr>
-                                      <p:tavLst>
-                                        <p:tav tm="0">
-                                          <p:val>
-                                            <p:strVal val="0-#ppt_h/2"/>
-                                          </p:val>
-                                        </p:tav>
-                                        <p:tav tm="100000">
-                                          <p:val>
-                                            <p:strVal val="#ppt_y"/>
-                                          </p:val>
-                                        </p:tav>
-                                      </p:tavLst>
-                                    </p:anim>
-                                  </p:childTnLst>
-                                </p:cTn>
-                              </p:par>
-                              <p:par>
-                                <p:cTn id="9" presetID="2" presetClass="entr" presetSubtype="2" fill="hold" nodeType="withEffect">
-                                  <p:stCondLst>
-                                    <p:cond delay="500"/>
-                                  </p:stCondLst>
-                                  <p:childTnLst>
-                                    <p:set>
-                                      <p:cBhvr>
-                                        <p:cTn id="10" dur="1" fill="hold">
-                                          <p:stCondLst>
-                                            <p:cond delay="0"/>
-                                          </p:stCondLst>
-                                        </p:cTn>
-                                        <p:tgtEl>
-                                          <p:spTgt spid="4"/>
-                                        </p:tgtEl>
-                                        <p:attrNameLst>
-                                          <p:attrName>style.visibility</p:attrName>
-                                        </p:attrNameLst>
-                                      </p:cBhvr>
-                                      <p:to>
-                                        <p:strVal val="visible"/>
-                                      </p:to>
-                                    </p:set>
-                                    <p:anim calcmode="lin" valueType="num">
-                                      <p:cBhvr additive="base">
-                                        <p:cTn id="11" dur="500" fill="hold"/>
-                                        <p:tgtEl>
-                                          <p:spTgt spid="4"/>
-                                        </p:tgtEl>
-                                        <p:attrNameLst>
-                                          <p:attrName>ppt_x</p:attrName>
-                                        </p:attrNameLst>
-                                      </p:cBhvr>
-                                      <p:tavLst>
-                                        <p:tav tm="0">
-                                          <p:val>
-                                            <p:strVal val="1+#ppt_w/2"/>
-                                          </p:val>
-                                        </p:tav>
-                                        <p:tav tm="100000">
-                                          <p:val>
-                                            <p:strVal val="#ppt_x"/>
-                                          </p:val>
-                                        </p:tav>
-                                      </p:tavLst>
-                                    </p:anim>
-                                    <p:anim calcmode="lin" valueType="num">
-                                      <p:cBhvr additive="base">
-                                        <p:cTn id="12" dur="500" fill="hold"/>
-                                        <p:tgtEl>
-                                          <p:spTgt spid="4"/>
-                                        </p:tgtEl>
-                                        <p:attrNameLst>
-                                          <p:attrName>ppt_y</p:attrName>
-                                        </p:attrNameLst>
-                                      </p:cBhvr>
-                                      <p:tavLst>
-                                        <p:tav tm="0">
-                                          <p:val>
-                                            <p:strVal val="#ppt_y"/>
-                                          </p:val>
-                                        </p:tav>
-                                        <p:tav tm="100000">
-                                          <p:val>
-                                            <p:strVal val="#ppt_y"/>
-                                          </p:val>
-                                        </p:tav>
-                                      </p:tavLst>
-                                    </p:anim>
-                                  </p:childTnLst>
-                                </p:cTn>
-                              </p:par>
-                              <p:par>
-                                <p:cTn id="13" presetID="2" presetClass="entr" presetSubtype="8" fill="hold" nodeType="withEffect">
-                                  <p:stCondLst>
-                                    <p:cond delay="500"/>
-                                  </p:stCondLst>
-                                  <p:childTnLst>
-                                    <p:set>
-                                      <p:cBhvr>
-                                        <p:cTn id="14" dur="1" fill="hold">
-                                          <p:stCondLst>
-                                            <p:cond delay="0"/>
-                                          </p:stCondLst>
-                                        </p:cTn>
-                                        <p:tgtEl>
-                                          <p:spTgt spid="8"/>
-                                        </p:tgtEl>
-                                        <p:attrNameLst>
-                                          <p:attrName>style.visibility</p:attrName>
-                                        </p:attrNameLst>
-                                      </p:cBhvr>
-                                      <p:to>
-                                        <p:strVal val="visible"/>
-                                      </p:to>
-                                    </p:set>
-                                    <p:anim calcmode="lin" valueType="num">
-                                      <p:cBhvr additive="base">
-                                        <p:cTn id="15" dur="500" fill="hold"/>
-                                        <p:tgtEl>
-                                          <p:spTgt spid="8"/>
-                                        </p:tgtEl>
-                                        <p:attrNameLst>
-                                          <p:attrName>ppt_x</p:attrName>
-                                        </p:attrNameLst>
-                                      </p:cBhvr>
-                                      <p:tavLst>
-                                        <p:tav tm="0">
-                                          <p:val>
-                                            <p:strVal val="0-#ppt_w/2"/>
-                                          </p:val>
-                                        </p:tav>
-                                        <p:tav tm="100000">
-                                          <p:val>
-                                            <p:strVal val="#ppt_x"/>
-                                          </p:val>
-                                        </p:tav>
-                                      </p:tavLst>
-                                    </p:anim>
-                                    <p:anim calcmode="lin" valueType="num">
-                                      <p:cBhvr additive="base">
-                                        <p:cTn id="16" dur="500" fill="hold"/>
-                                        <p:tgtEl>
-                                          <p:spTgt spid="8"/>
-                                        </p:tgtEl>
-                                        <p:attrNameLst>
-                                          <p:attrName>ppt_y</p:attrName>
-                                        </p:attrNameLst>
-                                      </p:cBhvr>
-                                      <p:tavLst>
-                                        <p:tav tm="0">
-                                          <p:val>
-                                            <p:strVal val="#ppt_y"/>
-                                          </p:val>
-                                        </p:tav>
-                                        <p:tav tm="100000">
-                                          <p:val>
-                                            <p:strVal val="#ppt_y"/>
-                                          </p:val>
-                                        </p:tav>
-                                      </p:tavLst>
-                                    </p:anim>
-                                  </p:childTnLst>
-                                </p:cTn>
-                              </p:par>
-                            </p:childTnLst>
-                          </p:cTn>
-                        </p:par>
-                        <p:par>
-                          <p:cTn id="17" fill="hold">
-                            <p:stCondLst>
-                              <p:cond delay="500"/>
-                            </p:stCondLst>
-                            <p:childTnLst>
-                              <p:par>
-                                <p:cTn id="18" presetID="53" presetClass="entr" presetSubtype="16" fill="hold" grpId="0" nodeType="afterEffect">
-                                  <p:stCondLst>
-                                    <p:cond delay="0"/>
-                                  </p:stCondLst>
-                                  <p:childTnLst>
-                                    <p:set>
-                                      <p:cBhvr>
-                                        <p:cTn id="19" dur="1" fill="hold">
-                                          <p:stCondLst>
-                                            <p:cond delay="0"/>
-                                          </p:stCondLst>
-                                        </p:cTn>
-                                        <p:tgtEl>
-                                          <p:spTgt spid="3"/>
-                                        </p:tgtEl>
-                                        <p:attrNameLst>
-                                          <p:attrName>style.visibility</p:attrName>
-                                        </p:attrNameLst>
-                                      </p:cBhvr>
-                                      <p:to>
-                                        <p:strVal val="visible"/>
-                                      </p:to>
-                                    </p:set>
-                                    <p:anim calcmode="lin" valueType="num">
-                                      <p:cBhvr>
-                                        <p:cTn id="20" dur="500" fill="hold"/>
-                                        <p:tgtEl>
-                                          <p:spTgt spid="3"/>
-                                        </p:tgtEl>
-                                        <p:attrNameLst>
-                                          <p:attrName>ppt_w</p:attrName>
-                                        </p:attrNameLst>
-                                      </p:cBhvr>
-                                      <p:tavLst>
-                                        <p:tav tm="0">
-                                          <p:val>
-                                            <p:fltVal val="0"/>
-                                          </p:val>
-                                        </p:tav>
-                                        <p:tav tm="100000">
-                                          <p:val>
-                                            <p:strVal val="#ppt_w"/>
-                                          </p:val>
-                                        </p:tav>
-                                      </p:tavLst>
-                                    </p:anim>
-                                    <p:anim calcmode="lin" valueType="num">
-                                      <p:cBhvr>
-                                        <p:cTn id="21" dur="500" fill="hold"/>
-                                        <p:tgtEl>
-                                          <p:spTgt spid="3"/>
-                                        </p:tgtEl>
-                                        <p:attrNameLst>
-                                          <p:attrName>ppt_h</p:attrName>
-                                        </p:attrNameLst>
-                                      </p:cBhvr>
-                                      <p:tavLst>
-                                        <p:tav tm="0">
-                                          <p:val>
-                                            <p:fltVal val="0"/>
-                                          </p:val>
-                                        </p:tav>
-                                        <p:tav tm="100000">
-                                          <p:val>
-                                            <p:strVal val="#ppt_h"/>
-                                          </p:val>
-                                        </p:tav>
-                                      </p:tavLst>
-                                    </p:anim>
-                                    <p:animEffect transition="in" filter="fade">
-                                      <p:cBhvr>
-                                        <p:cTn id="22" dur="500"/>
-                                        <p:tgtEl>
-                                          <p:spTgt spid="3"/>
-                                        </p:tgtEl>
-                                      </p:cBhvr>
-                                    </p:animEffect>
-                                  </p:childTnLst>
-                                </p:cTn>
-                              </p:par>
-                            </p:childTnLst>
-                          </p:cTn>
-                        </p:par>
-                      </p:childTnLst>
-                    </p:cTn>
-                  </p:par>
-                </p:childTnLst>
-              </p:cTn>
-              <p:prevCondLst>
-                <p:cond evt="onPrev" delay="0">
-                  <p:tgtEl>
-                    <p:sldTgt/>
-                  </p:tgtEl>
-                </p:cond>
-              </p:prevCondLst>
-              <p:nextCondLst>
-                <p:cond evt="onNext" delay="0">
-                  <p:tgtEl>
-                    <p:sldTgt/>
-                  </p:tgtEl>
-                </p:cond>
-              </p:nextCondLst>
-            </p:seq>
-          </p:childTnLst>
-        </p:cTn>
-      </p:par>
-    </p:tnLst>
-    <p:bldLst>
-      <p:bldP spid="2" grpId="0" bldLvl="0" animBg="1"/>
-      <p:bldP spid="3" grpId="0"/>
-    </p:bldLst>
-  </p:timing>
-</p:sld>
-</file>
-
-<file path=ppt/slides/slide21.xml><?xml version="1.0" encoding="utf-8"?>
-<p:sld xmlns:a="http://schemas.openxmlformats.org/drawingml/2006/main" xmlns:r="http://schemas.openxmlformats.org/officeDocument/2006/relationships" xmlns:p="http://schemas.openxmlformats.org/presentationml/2006/main">
-  <p:cSld>
-    <p:spTree>
-      <p:nvGrpSpPr>
-        <p:cNvPr id="1" name=""/>
-        <p:cNvGrpSpPr/>
-        <p:nvPr/>
-      </p:nvGrpSpPr>
-      <p:grpSpPr>
-        <a:xfrm>
-          <a:off x="0" y="0"/>
-          <a:ext cx="0" cy="0"/>
-          <a:chOff x="0" y="0"/>
-          <a:chExt cx="0" cy="0"/>
-        </a:xfrm>
-      </p:grpSpPr>
-      <p:sp>
-        <p:nvSpPr>
-          <p:cNvPr id="2" name="圆角矩形 1"/>
-          <p:cNvSpPr/>
-          <p:nvPr/>
-        </p:nvSpPr>
-        <p:spPr>
-          <a:xfrm>
-            <a:off x="3491865" y="142875"/>
-            <a:ext cx="2776855" cy="390525"/>
-          </a:xfrm>
-          <a:prstGeom prst="roundRect">
-            <a:avLst>
-              <a:gd name="adj" fmla="val 50000"/>
-            </a:avLst>
-          </a:prstGeom>
-          <a:gradFill>
-            <a:gsLst>
-              <a:gs pos="100000">
-                <a:schemeClr val="bg1"/>
-              </a:gs>
-              <a:gs pos="0">
-                <a:srgbClr val="EEEEEE"/>
-              </a:gs>
-            </a:gsLst>
-            <a:lin ang="8100000" scaled="0"/>
-          </a:gradFill>
-          <a:ln w="19050">
-            <a:gradFill>
-              <a:gsLst>
-                <a:gs pos="0">
-                  <a:schemeClr val="accent1">
-                    <a:lumMod val="5000"/>
-                    <a:lumOff val="95000"/>
-                  </a:schemeClr>
-                </a:gs>
-                <a:gs pos="100000">
-                  <a:srgbClr val="EEEEEE"/>
-                </a:gs>
-              </a:gsLst>
-              <a:lin ang="8100000" scaled="0"/>
-            </a:gradFill>
-          </a:ln>
-          <a:effectLst>
-            <a:outerShdw blurRad="127000" dist="63500" dir="8100000" algn="tr" rotWithShape="0">
-              <a:prstClr val="black">
-                <a:alpha val="30000"/>
-              </a:prstClr>
-            </a:outerShdw>
-          </a:effectLst>
-        </p:spPr>
-        <p:style>
-          <a:lnRef idx="2">
-            <a:schemeClr val="accent1">
-              <a:shade val="50000"/>
-            </a:schemeClr>
-          </a:lnRef>
-          <a:fillRef idx="1">
-            <a:schemeClr val="accent1"/>
-          </a:fillRef>
-          <a:effectRef idx="0">
-            <a:schemeClr val="accent1"/>
-          </a:effectRef>
-          <a:fontRef idx="minor">
-            <a:schemeClr val="lt1"/>
-          </a:fontRef>
-        </p:style>
-        <p:txBody>
-          <a:bodyPr rtlCol="0" anchor="ctr"/>
-          <a:lstStyle/>
-          <a:p>
-            <a:pPr algn="ctr"/>
-            <a:endParaRPr lang="zh-CN" altLang="en-US" sz="1350">
-              <a:solidFill>
-                <a:srgbClr val="FA783A"/>
-              </a:solidFill>
-            </a:endParaRPr>
-          </a:p>
-        </p:txBody>
-      </p:sp>
-      <p:sp>
-        <p:nvSpPr>
-          <p:cNvPr id="3" name="文本框 9"/>
-          <p:cNvSpPr txBox="1"/>
-          <p:nvPr/>
-        </p:nvSpPr>
-        <p:spPr>
-          <a:xfrm>
-            <a:off x="3491865" y="174625"/>
-            <a:ext cx="2700655" cy="327660"/>
-          </a:xfrm>
-          <a:prstGeom prst="rect">
-            <a:avLst/>
-          </a:prstGeom>
-          <a:noFill/>
-        </p:spPr>
-        <p:txBody>
-          <a:bodyPr wrap="square" lIns="51421" tIns="25710" rIns="51421" bIns="25710" rtlCol="0">
-            <a:spAutoFit/>
-          </a:bodyPr>
-          <a:lstStyle/>
-          <a:p>
-            <a:pPr marL="0" lvl="1" algn="ctr"/>
-            <a:r>
-              <a:rPr lang="zh-CN" altLang="en-US" b="1" dirty="0" smtClean="0">
-                <a:solidFill>
-                  <a:srgbClr val="0070C0"/>
-                </a:solidFill>
-                <a:latin typeface="微软雅黑" panose="020B0503020204020204" pitchFamily="34" charset="-122"/>
-                <a:ea typeface="微软雅黑" panose="020B0503020204020204" pitchFamily="34" charset="-122"/>
-              </a:rPr>
-              <a:t>练习</a:t>
-            </a:r>
-            <a:endParaRPr lang="zh-CN" altLang="en-US" b="1" dirty="0" smtClean="0">
-              <a:solidFill>
-                <a:srgbClr val="0070C0"/>
-              </a:solidFill>
-              <a:latin typeface="微软雅黑" panose="020B0503020204020204" pitchFamily="34" charset="-122"/>
-              <a:ea typeface="微软雅黑" panose="020B0503020204020204" pitchFamily="34" charset="-122"/>
-            </a:endParaRPr>
-          </a:p>
-        </p:txBody>
-      </p:sp>
-      <p:grpSp>
-        <p:nvGrpSpPr>
-          <p:cNvPr id="4" name="组合 3"/>
-          <p:cNvGrpSpPr/>
-          <p:nvPr/>
-        </p:nvGrpSpPr>
-        <p:grpSpPr>
-          <a:xfrm>
-            <a:off x="6516793" y="256915"/>
-            <a:ext cx="453150" cy="161976"/>
-            <a:chOff x="264939" y="188640"/>
-            <a:chExt cx="604358" cy="216024"/>
-          </a:xfrm>
-        </p:grpSpPr>
-        <p:sp>
-          <p:nvSpPr>
-            <p:cNvPr id="5" name="燕尾形 4"/>
-            <p:cNvSpPr/>
-            <p:nvPr/>
-          </p:nvSpPr>
-          <p:spPr>
-            <a:xfrm>
-              <a:off x="264939" y="188640"/>
-              <a:ext cx="216024" cy="216024"/>
-            </a:xfrm>
-            <a:prstGeom prst="chevron">
-              <a:avLst/>
-            </a:prstGeom>
-            <a:solidFill>
-              <a:srgbClr val="0070C0"/>
-            </a:solidFill>
-            <a:ln>
-              <a:noFill/>
-            </a:ln>
-          </p:spPr>
-          <p:style>
-            <a:lnRef idx="2">
-              <a:schemeClr val="accent1">
-                <a:shade val="50000"/>
-              </a:schemeClr>
-            </a:lnRef>
-            <a:fillRef idx="1">
-              <a:schemeClr val="accent1"/>
-            </a:fillRef>
-            <a:effectRef idx="0">
-              <a:schemeClr val="accent1"/>
-            </a:effectRef>
-            <a:fontRef idx="minor">
-              <a:schemeClr val="lt1"/>
-            </a:fontRef>
-          </p:style>
-          <p:txBody>
-            <a:bodyPr rtlCol="0" anchor="ctr"/>
-            <a:lstStyle/>
-            <a:p>
-              <a:pPr algn="ctr"/>
-              <a:endParaRPr lang="zh-CN" altLang="en-US" sz="1350">
-                <a:solidFill>
-                  <a:schemeClr val="tx1"/>
-                </a:solidFill>
-              </a:endParaRPr>
-            </a:p>
-          </p:txBody>
-        </p:sp>
-        <p:sp>
-          <p:nvSpPr>
-            <p:cNvPr id="6" name="燕尾形 5"/>
-            <p:cNvSpPr/>
-            <p:nvPr/>
-          </p:nvSpPr>
-          <p:spPr>
-            <a:xfrm>
-              <a:off x="454914" y="188640"/>
-              <a:ext cx="216024" cy="216024"/>
-            </a:xfrm>
-            <a:prstGeom prst="chevron">
-              <a:avLst/>
-            </a:prstGeom>
-            <a:solidFill>
-              <a:srgbClr val="0070C0">
-                <a:alpha val="78824"/>
-              </a:srgbClr>
-            </a:solidFill>
-            <a:ln>
-              <a:noFill/>
-            </a:ln>
-          </p:spPr>
-          <p:style>
-            <a:lnRef idx="2">
-              <a:schemeClr val="accent1">
-                <a:shade val="50000"/>
-              </a:schemeClr>
-            </a:lnRef>
-            <a:fillRef idx="1">
-              <a:schemeClr val="accent1"/>
-            </a:fillRef>
-            <a:effectRef idx="0">
-              <a:schemeClr val="accent1"/>
-            </a:effectRef>
-            <a:fontRef idx="minor">
-              <a:schemeClr val="lt1"/>
-            </a:fontRef>
-          </p:style>
-          <p:txBody>
-            <a:bodyPr rtlCol="0" anchor="ctr"/>
-            <a:lstStyle/>
-            <a:p>
-              <a:pPr algn="ctr"/>
-              <a:endParaRPr lang="zh-CN" altLang="en-US" sz="1350">
-                <a:solidFill>
-                  <a:schemeClr val="tx1"/>
-                </a:solidFill>
-              </a:endParaRPr>
-            </a:p>
-          </p:txBody>
-        </p:sp>
-        <p:sp>
-          <p:nvSpPr>
-            <p:cNvPr id="7" name="燕尾形 6"/>
-            <p:cNvSpPr/>
-            <p:nvPr/>
-          </p:nvSpPr>
-          <p:spPr>
-            <a:xfrm>
-              <a:off x="653273" y="188640"/>
-              <a:ext cx="216024" cy="216024"/>
-            </a:xfrm>
-            <a:prstGeom prst="chevron">
-              <a:avLst/>
-            </a:prstGeom>
-            <a:solidFill>
-              <a:srgbClr val="0070C0">
-                <a:alpha val="56863"/>
-              </a:srgbClr>
-            </a:solidFill>
-            <a:ln>
-              <a:noFill/>
-            </a:ln>
-          </p:spPr>
-          <p:style>
-            <a:lnRef idx="2">
-              <a:schemeClr val="accent1">
-                <a:shade val="50000"/>
-              </a:schemeClr>
-            </a:lnRef>
-            <a:fillRef idx="1">
-              <a:schemeClr val="accent1"/>
-            </a:fillRef>
-            <a:effectRef idx="0">
-              <a:schemeClr val="accent1"/>
-            </a:effectRef>
-            <a:fontRef idx="minor">
-              <a:schemeClr val="lt1"/>
-            </a:fontRef>
-          </p:style>
-          <p:txBody>
-            <a:bodyPr rtlCol="0" anchor="ctr"/>
-            <a:lstStyle/>
-            <a:p>
-              <a:pPr algn="ctr"/>
-              <a:endParaRPr lang="zh-CN" altLang="en-US" sz="1350">
-                <a:solidFill>
-                  <a:schemeClr val="tx1"/>
-                </a:solidFill>
-              </a:endParaRPr>
-            </a:p>
-          </p:txBody>
-        </p:sp>
-      </p:grpSp>
-      <p:grpSp>
-        <p:nvGrpSpPr>
-          <p:cNvPr id="8" name="组合 7"/>
-          <p:cNvGrpSpPr/>
-          <p:nvPr/>
-        </p:nvGrpSpPr>
-        <p:grpSpPr>
-          <a:xfrm rot="10800000">
-            <a:off x="2790266" y="256915"/>
-            <a:ext cx="453150" cy="161976"/>
-            <a:chOff x="264939" y="188640"/>
-            <a:chExt cx="604358" cy="216024"/>
-          </a:xfrm>
-        </p:grpSpPr>
-        <p:sp>
-          <p:nvSpPr>
-            <p:cNvPr id="9" name="燕尾形 8"/>
-            <p:cNvSpPr/>
-            <p:nvPr/>
-          </p:nvSpPr>
-          <p:spPr>
-            <a:xfrm>
-              <a:off x="264939" y="188640"/>
-              <a:ext cx="216024" cy="216024"/>
-            </a:xfrm>
-            <a:prstGeom prst="chevron">
-              <a:avLst/>
-            </a:prstGeom>
-            <a:solidFill>
-              <a:srgbClr val="0070C0"/>
-            </a:solidFill>
-            <a:ln>
-              <a:noFill/>
-            </a:ln>
-          </p:spPr>
-          <p:style>
-            <a:lnRef idx="2">
-              <a:schemeClr val="accent1">
-                <a:shade val="50000"/>
-              </a:schemeClr>
-            </a:lnRef>
-            <a:fillRef idx="1">
-              <a:schemeClr val="accent1"/>
-            </a:fillRef>
-            <a:effectRef idx="0">
-              <a:schemeClr val="accent1"/>
-            </a:effectRef>
-            <a:fontRef idx="minor">
-              <a:schemeClr val="lt1"/>
-            </a:fontRef>
-          </p:style>
-          <p:txBody>
-            <a:bodyPr rtlCol="0" anchor="ctr"/>
-            <a:lstStyle/>
-            <a:p>
-              <a:pPr algn="ctr"/>
-              <a:endParaRPr lang="zh-CN" altLang="en-US" sz="1350">
-                <a:solidFill>
-                  <a:schemeClr val="tx1"/>
-                </a:solidFill>
-              </a:endParaRPr>
-            </a:p>
-          </p:txBody>
-        </p:sp>
-        <p:sp>
-          <p:nvSpPr>
-            <p:cNvPr id="10" name="燕尾形 9"/>
-            <p:cNvSpPr/>
-            <p:nvPr/>
-          </p:nvSpPr>
-          <p:spPr>
-            <a:xfrm>
-              <a:off x="454914" y="188640"/>
-              <a:ext cx="216024" cy="216024"/>
-            </a:xfrm>
-            <a:prstGeom prst="chevron">
-              <a:avLst/>
-            </a:prstGeom>
-            <a:solidFill>
-              <a:srgbClr val="0070C0">
-                <a:alpha val="78824"/>
-              </a:srgbClr>
-            </a:solidFill>
-            <a:ln>
-              <a:noFill/>
-            </a:ln>
-          </p:spPr>
-          <p:style>
-            <a:lnRef idx="2">
-              <a:schemeClr val="accent1">
-                <a:shade val="50000"/>
-              </a:schemeClr>
-            </a:lnRef>
-            <a:fillRef idx="1">
-              <a:schemeClr val="accent1"/>
-            </a:fillRef>
-            <a:effectRef idx="0">
-              <a:schemeClr val="accent1"/>
-            </a:effectRef>
-            <a:fontRef idx="minor">
-              <a:schemeClr val="lt1"/>
-            </a:fontRef>
-          </p:style>
-          <p:txBody>
-            <a:bodyPr rtlCol="0" anchor="ctr"/>
-            <a:lstStyle/>
-            <a:p>
-              <a:pPr algn="ctr"/>
-              <a:endParaRPr lang="zh-CN" altLang="en-US" sz="1350">
-                <a:solidFill>
-                  <a:schemeClr val="tx1"/>
-                </a:solidFill>
-              </a:endParaRPr>
-            </a:p>
-          </p:txBody>
-        </p:sp>
-        <p:sp>
-          <p:nvSpPr>
-            <p:cNvPr id="11" name="燕尾形 10"/>
-            <p:cNvSpPr/>
-            <p:nvPr/>
-          </p:nvSpPr>
-          <p:spPr>
-            <a:xfrm>
-              <a:off x="653273" y="188640"/>
-              <a:ext cx="216024" cy="216024"/>
-            </a:xfrm>
-            <a:prstGeom prst="chevron">
-              <a:avLst/>
-            </a:prstGeom>
-            <a:solidFill>
-              <a:srgbClr val="0070C0">
-                <a:alpha val="56863"/>
-              </a:srgbClr>
-            </a:solidFill>
-            <a:ln>
-              <a:noFill/>
-            </a:ln>
-          </p:spPr>
-          <p:style>
-            <a:lnRef idx="2">
-              <a:schemeClr val="accent1">
-                <a:shade val="50000"/>
-              </a:schemeClr>
-            </a:lnRef>
-            <a:fillRef idx="1">
-              <a:schemeClr val="accent1"/>
-            </a:fillRef>
-            <a:effectRef idx="0">
-              <a:schemeClr val="accent1"/>
-            </a:effectRef>
-            <a:fontRef idx="minor">
-              <a:schemeClr val="lt1"/>
-            </a:fontRef>
-          </p:style>
-          <p:txBody>
-            <a:bodyPr rtlCol="0" anchor="ctr"/>
-            <a:lstStyle/>
-            <a:p>
-              <a:pPr algn="ctr"/>
-              <a:endParaRPr lang="zh-CN" altLang="en-US" sz="1350">
-                <a:solidFill>
-                  <a:schemeClr val="tx1"/>
-                </a:solidFill>
-              </a:endParaRPr>
-            </a:p>
-          </p:txBody>
-        </p:sp>
-      </p:grpSp>
-      <p:sp>
-        <p:nvSpPr>
-          <p:cNvPr id="26" name="椭圆 25"/>
-          <p:cNvSpPr/>
-          <p:nvPr/>
-        </p:nvSpPr>
-        <p:spPr>
-          <a:xfrm rot="1860000">
-            <a:off x="3109326" y="2465030"/>
-            <a:ext cx="19271" cy="19271"/>
-          </a:xfrm>
-          <a:prstGeom prst="ellipse">
-            <a:avLst/>
-          </a:prstGeom>
-          <a:solidFill>
-            <a:schemeClr val="bg1">
-              <a:lumMod val="50000"/>
-            </a:schemeClr>
-          </a:solidFill>
-          <a:ln>
-            <a:noFill/>
-          </a:ln>
-        </p:spPr>
-        <p:style>
-          <a:lnRef idx="2">
-            <a:schemeClr val="accent1">
-              <a:shade val="50000"/>
-            </a:schemeClr>
-          </a:lnRef>
-          <a:fillRef idx="1">
-            <a:schemeClr val="accent1"/>
-          </a:fillRef>
-          <a:effectRef idx="0">
-            <a:schemeClr val="accent1"/>
-          </a:effectRef>
-          <a:fontRef idx="minor">
-            <a:schemeClr val="lt1"/>
-          </a:fontRef>
-        </p:style>
-        <p:txBody>
-          <a:bodyPr rtlCol="0" anchor="ctr"/>
-          <a:lstStyle/>
-          <a:p>
-            <a:pPr algn="ctr"/>
-            <a:endParaRPr lang="zh-CN" altLang="en-US" sz="1350">
-              <a:solidFill>
-                <a:prstClr val="white"/>
-              </a:solidFill>
-              <a:latin typeface="Arial" panose="020B0604020202020204" pitchFamily="34" charset="0"/>
-              <a:ea typeface="微软雅黑" panose="020B0503020204020204" pitchFamily="34" charset="-122"/>
-              <a:sym typeface="Arial" panose="020B0604020202020204" pitchFamily="34" charset="0"/>
-            </a:endParaRPr>
-          </a:p>
-        </p:txBody>
-      </p:sp>
-      <p:sp>
-        <p:nvSpPr>
           <p:cNvPr id="12" name="文本框 2"/>
           <p:cNvSpPr txBox="1"/>
           <p:nvPr/>
@@ -24960,7 +23895,7 @@
                 <a:latin typeface="Arial" panose="020B0604020202020204" pitchFamily="34" charset="0"/>
                 <a:ea typeface="宋体" panose="02010600030101010101" pitchFamily="2" charset="-122"/>
               </a:rPr>
-              <a:t>5</a:t>
+              <a:t>4</a:t>
             </a:r>
             <a:r>
               <a:rPr lang="zh-CN" altLang="en-US">
@@ -25401,7 +24336,7 @@
 </p:sld>
 </file>
 
-<file path=ppt/slides/slide22.xml><?xml version="1.0" encoding="utf-8"?>
+<file path=ppt/slides/slide21.xml><?xml version="1.0" encoding="utf-8"?>
 <p:sld xmlns:a="http://schemas.openxmlformats.org/drawingml/2006/main" xmlns:r="http://schemas.openxmlformats.org/officeDocument/2006/relationships" xmlns:p="http://schemas.openxmlformats.org/presentationml/2006/main">
   <p:cSld>
     <p:spTree>
